--- a/doc/Mokum Airways PP.pptx
+++ b/doc/Mokum Airways PP.pptx
@@ -10,6 +10,9 @@
     <p:sldId id="261" r:id="rId4"/>
     <p:sldId id="259" r:id="rId5"/>
     <p:sldId id="260" r:id="rId6"/>
+    <p:sldId id="262" r:id="rId7"/>
+    <p:sldId id="263" r:id="rId8"/>
+    <p:sldId id="264" r:id="rId9"/>
   </p:sldIdLst>
   <p:sldSz cx="12192000" cy="6858000"/>
   <p:notesSz cx="6858000" cy="9144000"/>
@@ -108,7 +111,16 @@
       </a:defRPr>
     </a:lvl9pPr>
   </p:defaultTextStyle>
+  <p:extLst>
+    <p:ext uri="{EFAFB233-063F-42B5-8137-9DF3F51BA10A}">
+      <p15:sldGuideLst xmlns:p15="http://schemas.microsoft.com/office/powerpoint/2012/main"/>
+    </p:ext>
+  </p:extLst>
 </p:presentation>
+</file>
+
+<file path=ppt/revisionInfo.xml><?xml version="1.0" encoding="utf-8"?>
+<p1510:revInfo xmlns:a="http://schemas.openxmlformats.org/drawingml/2006/main" xmlns:r="http://schemas.openxmlformats.org/officeDocument/2006/relationships" xmlns:p1510="http://schemas.microsoft.com/office/powerpoint/2015/10/main"/>
 </file>
 
 <file path=ppt/slideLayouts/slideLayout1.xml><?xml version="1.0" encoding="utf-8"?>
@@ -167,7 +179,7 @@
           </a:lstStyle>
           <a:p>
             <a:r>
-              <a:rPr lang="nl-NL" smtClean="0"/>
+              <a:rPr lang="nl-NL"/>
               <a:t>Klik om de stijl te bewerken</a:t>
             </a:r>
             <a:endParaRPr lang="en-US" dirty="0"/>
@@ -243,7 +255,7 @@
           </a:lstStyle>
           <a:p>
             <a:r>
-              <a:rPr lang="nl-NL" smtClean="0"/>
+              <a:rPr lang="nl-NL"/>
               <a:t>Klik om de ondertitelstijl van het model te bewerken</a:t>
             </a:r>
             <a:endParaRPr lang="en-US" dirty="0"/>
@@ -280,7 +292,7 @@
           <a:p>
             <a:fld id="{E94D80B7-DD36-4185-980D-0CF2BC8D5235}" type="datetimeFigureOut">
               <a:rPr lang="nl-NL" smtClean="0"/>
-              <a:t>16-1-2018</a:t>
+              <a:t>17-1-2018</a:t>
             </a:fld>
             <a:endParaRPr lang="nl-NL"/>
           </a:p>
@@ -529,7 +541,7 @@
           <a:lstStyle/>
           <a:p>
             <a:r>
-              <a:rPr lang="nl-NL" smtClean="0"/>
+              <a:rPr lang="nl-NL"/>
               <a:t>Klik om de stijl te bewerken</a:t>
             </a:r>
             <a:endParaRPr lang="en-US" dirty="0"/>
@@ -558,35 +570,35 @@
           <a:p>
             <a:pPr lvl="0"/>
             <a:r>
-              <a:rPr lang="nl-NL" smtClean="0"/>
+              <a:rPr lang="nl-NL"/>
               <a:t>Klik om de modelstijlen te bewerken</a:t>
             </a:r>
           </a:p>
           <a:p>
             <a:pPr lvl="1"/>
             <a:r>
-              <a:rPr lang="nl-NL" smtClean="0"/>
+              <a:rPr lang="nl-NL"/>
               <a:t>Tweede niveau</a:t>
             </a:r>
           </a:p>
           <a:p>
             <a:pPr lvl="2"/>
             <a:r>
-              <a:rPr lang="nl-NL" smtClean="0"/>
+              <a:rPr lang="nl-NL"/>
               <a:t>Derde niveau</a:t>
             </a:r>
           </a:p>
           <a:p>
             <a:pPr lvl="3"/>
             <a:r>
-              <a:rPr lang="nl-NL" smtClean="0"/>
+              <a:rPr lang="nl-NL"/>
               <a:t>Vierde niveau</a:t>
             </a:r>
           </a:p>
           <a:p>
             <a:pPr lvl="4"/>
             <a:r>
-              <a:rPr lang="nl-NL" smtClean="0"/>
+              <a:rPr lang="nl-NL"/>
               <a:t>Vijfde niveau</a:t>
             </a:r>
             <a:endParaRPr lang="en-US" dirty="0"/>
@@ -610,7 +622,7 @@
           <a:p>
             <a:fld id="{E94D80B7-DD36-4185-980D-0CF2BC8D5235}" type="datetimeFigureOut">
               <a:rPr lang="nl-NL" smtClean="0"/>
-              <a:t>16-1-2018</a:t>
+              <a:t>17-1-2018</a:t>
             </a:fld>
             <a:endParaRPr lang="nl-NL"/>
           </a:p>
@@ -709,7 +721,7 @@
           <a:lstStyle/>
           <a:p>
             <a:r>
-              <a:rPr lang="nl-NL" smtClean="0"/>
+              <a:rPr lang="nl-NL"/>
               <a:t>Klik om de stijl te bewerken</a:t>
             </a:r>
             <a:endParaRPr lang="en-US" dirty="0"/>
@@ -738,35 +750,35 @@
           <a:p>
             <a:pPr lvl="0"/>
             <a:r>
-              <a:rPr lang="nl-NL" smtClean="0"/>
+              <a:rPr lang="nl-NL"/>
               <a:t>Klik om de modelstijlen te bewerken</a:t>
             </a:r>
           </a:p>
           <a:p>
             <a:pPr lvl="1"/>
             <a:r>
-              <a:rPr lang="nl-NL" smtClean="0"/>
+              <a:rPr lang="nl-NL"/>
               <a:t>Tweede niveau</a:t>
             </a:r>
           </a:p>
           <a:p>
             <a:pPr lvl="2"/>
             <a:r>
-              <a:rPr lang="nl-NL" smtClean="0"/>
+              <a:rPr lang="nl-NL"/>
               <a:t>Derde niveau</a:t>
             </a:r>
           </a:p>
           <a:p>
             <a:pPr lvl="3"/>
             <a:r>
-              <a:rPr lang="nl-NL" smtClean="0"/>
+              <a:rPr lang="nl-NL"/>
               <a:t>Vierde niveau</a:t>
             </a:r>
           </a:p>
           <a:p>
             <a:pPr lvl="4"/>
             <a:r>
-              <a:rPr lang="nl-NL" smtClean="0"/>
+              <a:rPr lang="nl-NL"/>
               <a:t>Vijfde niveau</a:t>
             </a:r>
             <a:endParaRPr lang="en-US" dirty="0"/>
@@ -790,7 +802,7 @@
           <a:p>
             <a:fld id="{E94D80B7-DD36-4185-980D-0CF2BC8D5235}" type="datetimeFigureOut">
               <a:rPr lang="nl-NL" smtClean="0"/>
-              <a:t>16-1-2018</a:t>
+              <a:t>17-1-2018</a:t>
             </a:fld>
             <a:endParaRPr lang="nl-NL"/>
           </a:p>
@@ -884,7 +896,7 @@
           <a:lstStyle/>
           <a:p>
             <a:r>
-              <a:rPr lang="nl-NL" smtClean="0"/>
+              <a:rPr lang="nl-NL"/>
               <a:t>Klik om de stijl te bewerken</a:t>
             </a:r>
             <a:endParaRPr lang="en-US" dirty="0"/>
@@ -908,35 +920,35 @@
           <a:p>
             <a:pPr lvl="0"/>
             <a:r>
-              <a:rPr lang="nl-NL" smtClean="0"/>
+              <a:rPr lang="nl-NL"/>
               <a:t>Klik om de modelstijlen te bewerken</a:t>
             </a:r>
           </a:p>
           <a:p>
             <a:pPr lvl="1"/>
             <a:r>
-              <a:rPr lang="nl-NL" smtClean="0"/>
+              <a:rPr lang="nl-NL"/>
               <a:t>Tweede niveau</a:t>
             </a:r>
           </a:p>
           <a:p>
             <a:pPr lvl="2"/>
             <a:r>
-              <a:rPr lang="nl-NL" smtClean="0"/>
+              <a:rPr lang="nl-NL"/>
               <a:t>Derde niveau</a:t>
             </a:r>
           </a:p>
           <a:p>
             <a:pPr lvl="3"/>
             <a:r>
-              <a:rPr lang="nl-NL" smtClean="0"/>
+              <a:rPr lang="nl-NL"/>
               <a:t>Vierde niveau</a:t>
             </a:r>
           </a:p>
           <a:p>
             <a:pPr lvl="4"/>
             <a:r>
-              <a:rPr lang="nl-NL" smtClean="0"/>
+              <a:rPr lang="nl-NL"/>
               <a:t>Vijfde niveau</a:t>
             </a:r>
             <a:endParaRPr lang="en-US" dirty="0"/>
@@ -960,7 +972,7 @@
           <a:p>
             <a:fld id="{E94D80B7-DD36-4185-980D-0CF2BC8D5235}" type="datetimeFigureOut">
               <a:rPr lang="nl-NL" smtClean="0"/>
-              <a:t>16-1-2018</a:t>
+              <a:t>17-1-2018</a:t>
             </a:fld>
             <a:endParaRPr lang="nl-NL"/>
           </a:p>
@@ -1074,7 +1086,7 @@
           </a:lstStyle>
           <a:p>
             <a:r>
-              <a:rPr lang="nl-NL" smtClean="0"/>
+              <a:rPr lang="nl-NL"/>
               <a:t>Klik om de stijl te bewerken</a:t>
             </a:r>
             <a:endParaRPr lang="en-US" dirty="0"/>
@@ -1201,7 +1213,7 @@
           <a:p>
             <a:pPr lvl="0"/>
             <a:r>
-              <a:rPr lang="nl-NL" smtClean="0"/>
+              <a:rPr lang="nl-NL"/>
               <a:t>Klik om de modelstijlen te bewerken</a:t>
             </a:r>
           </a:p>
@@ -1237,7 +1249,7 @@
           <a:p>
             <a:fld id="{E94D80B7-DD36-4185-980D-0CF2BC8D5235}" type="datetimeFigureOut">
               <a:rPr lang="nl-NL" smtClean="0"/>
-              <a:t>16-1-2018</a:t>
+              <a:t>17-1-2018</a:t>
             </a:fld>
             <a:endParaRPr lang="nl-NL"/>
           </a:p>
@@ -1421,7 +1433,7 @@
           </a:lstStyle>
           <a:p>
             <a:r>
-              <a:rPr lang="nl-NL" smtClean="0"/>
+              <a:rPr lang="nl-NL"/>
               <a:t>Klik om de stijl te bewerken</a:t>
             </a:r>
             <a:endParaRPr lang="en-US" dirty="0"/>
@@ -1486,35 +1498,35 @@
           <a:p>
             <a:pPr lvl="0"/>
             <a:r>
-              <a:rPr lang="nl-NL" smtClean="0"/>
+              <a:rPr lang="nl-NL"/>
               <a:t>Klik om de modelstijlen te bewerken</a:t>
             </a:r>
           </a:p>
           <a:p>
             <a:pPr lvl="1"/>
             <a:r>
-              <a:rPr lang="nl-NL" smtClean="0"/>
+              <a:rPr lang="nl-NL"/>
               <a:t>Tweede niveau</a:t>
             </a:r>
           </a:p>
           <a:p>
             <a:pPr lvl="2"/>
             <a:r>
-              <a:rPr lang="nl-NL" smtClean="0"/>
+              <a:rPr lang="nl-NL"/>
               <a:t>Derde niveau</a:t>
             </a:r>
           </a:p>
           <a:p>
             <a:pPr lvl="3"/>
             <a:r>
-              <a:rPr lang="nl-NL" smtClean="0"/>
+              <a:rPr lang="nl-NL"/>
               <a:t>Vierde niveau</a:t>
             </a:r>
           </a:p>
           <a:p>
             <a:pPr lvl="4"/>
             <a:r>
-              <a:rPr lang="nl-NL" smtClean="0"/>
+              <a:rPr lang="nl-NL"/>
               <a:t>Vijfde niveau</a:t>
             </a:r>
             <a:endParaRPr lang="en-US" dirty="0"/>
@@ -1579,35 +1591,35 @@
           <a:p>
             <a:pPr lvl="0"/>
             <a:r>
-              <a:rPr lang="nl-NL" smtClean="0"/>
+              <a:rPr lang="nl-NL"/>
               <a:t>Klik om de modelstijlen te bewerken</a:t>
             </a:r>
           </a:p>
           <a:p>
             <a:pPr lvl="1"/>
             <a:r>
-              <a:rPr lang="nl-NL" smtClean="0"/>
+              <a:rPr lang="nl-NL"/>
               <a:t>Tweede niveau</a:t>
             </a:r>
           </a:p>
           <a:p>
             <a:pPr lvl="2"/>
             <a:r>
-              <a:rPr lang="nl-NL" smtClean="0"/>
+              <a:rPr lang="nl-NL"/>
               <a:t>Derde niveau</a:t>
             </a:r>
           </a:p>
           <a:p>
             <a:pPr lvl="3"/>
             <a:r>
-              <a:rPr lang="nl-NL" smtClean="0"/>
+              <a:rPr lang="nl-NL"/>
               <a:t>Vierde niveau</a:t>
             </a:r>
           </a:p>
           <a:p>
             <a:pPr lvl="4"/>
             <a:r>
-              <a:rPr lang="nl-NL" smtClean="0"/>
+              <a:rPr lang="nl-NL"/>
               <a:t>Vijfde niveau</a:t>
             </a:r>
             <a:endParaRPr lang="en-US" dirty="0"/>
@@ -1631,7 +1643,7 @@
           <a:p>
             <a:fld id="{E94D80B7-DD36-4185-980D-0CF2BC8D5235}" type="datetimeFigureOut">
               <a:rPr lang="nl-NL" smtClean="0"/>
-              <a:t>16-1-2018</a:t>
+              <a:t>17-1-2018</a:t>
             </a:fld>
             <a:endParaRPr lang="nl-NL"/>
           </a:p>
@@ -1738,7 +1750,7 @@
           </a:lstStyle>
           <a:p>
             <a:r>
-              <a:rPr lang="nl-NL" smtClean="0"/>
+              <a:rPr lang="nl-NL"/>
               <a:t>Klik om de stijl te bewerken</a:t>
             </a:r>
             <a:endParaRPr lang="en-US" dirty="0"/>
@@ -1819,7 +1831,7 @@
           <a:p>
             <a:pPr lvl="0"/>
             <a:r>
-              <a:rPr lang="nl-NL" smtClean="0"/>
+              <a:rPr lang="nl-NL"/>
               <a:t>Klik om de modelstijlen te bewerken</a:t>
             </a:r>
           </a:p>
@@ -1883,35 +1895,35 @@
           <a:p>
             <a:pPr lvl="0"/>
             <a:r>
-              <a:rPr lang="nl-NL" smtClean="0"/>
+              <a:rPr lang="nl-NL"/>
               <a:t>Klik om de modelstijlen te bewerken</a:t>
             </a:r>
           </a:p>
           <a:p>
             <a:pPr lvl="1"/>
             <a:r>
-              <a:rPr lang="nl-NL" smtClean="0"/>
+              <a:rPr lang="nl-NL"/>
               <a:t>Tweede niveau</a:t>
             </a:r>
           </a:p>
           <a:p>
             <a:pPr lvl="2"/>
             <a:r>
-              <a:rPr lang="nl-NL" smtClean="0"/>
+              <a:rPr lang="nl-NL"/>
               <a:t>Derde niveau</a:t>
             </a:r>
           </a:p>
           <a:p>
             <a:pPr lvl="3"/>
             <a:r>
-              <a:rPr lang="nl-NL" smtClean="0"/>
+              <a:rPr lang="nl-NL"/>
               <a:t>Vierde niveau</a:t>
             </a:r>
           </a:p>
           <a:p>
             <a:pPr lvl="4"/>
             <a:r>
-              <a:rPr lang="nl-NL" smtClean="0"/>
+              <a:rPr lang="nl-NL"/>
               <a:t>Vijfde niveau</a:t>
             </a:r>
             <a:endParaRPr lang="en-US" dirty="0"/>
@@ -1992,7 +2004,7 @@
           <a:p>
             <a:pPr lvl="0"/>
             <a:r>
-              <a:rPr lang="nl-NL" smtClean="0"/>
+              <a:rPr lang="nl-NL"/>
               <a:t>Klik om de modelstijlen te bewerken</a:t>
             </a:r>
           </a:p>
@@ -2056,35 +2068,35 @@
           <a:p>
             <a:pPr lvl="0"/>
             <a:r>
-              <a:rPr lang="nl-NL" smtClean="0"/>
+              <a:rPr lang="nl-NL"/>
               <a:t>Klik om de modelstijlen te bewerken</a:t>
             </a:r>
           </a:p>
           <a:p>
             <a:pPr lvl="1"/>
             <a:r>
-              <a:rPr lang="nl-NL" smtClean="0"/>
+              <a:rPr lang="nl-NL"/>
               <a:t>Tweede niveau</a:t>
             </a:r>
           </a:p>
           <a:p>
             <a:pPr lvl="2"/>
             <a:r>
-              <a:rPr lang="nl-NL" smtClean="0"/>
+              <a:rPr lang="nl-NL"/>
               <a:t>Derde niveau</a:t>
             </a:r>
           </a:p>
           <a:p>
             <a:pPr lvl="3"/>
             <a:r>
-              <a:rPr lang="nl-NL" smtClean="0"/>
+              <a:rPr lang="nl-NL"/>
               <a:t>Vierde niveau</a:t>
             </a:r>
           </a:p>
           <a:p>
             <a:pPr lvl="4"/>
             <a:r>
-              <a:rPr lang="nl-NL" smtClean="0"/>
+              <a:rPr lang="nl-NL"/>
               <a:t>Vijfde niveau</a:t>
             </a:r>
             <a:endParaRPr lang="en-US" dirty="0"/>
@@ -2108,7 +2120,7 @@
           <a:p>
             <a:fld id="{E94D80B7-DD36-4185-980D-0CF2BC8D5235}" type="datetimeFigureOut">
               <a:rPr lang="nl-NL" smtClean="0"/>
-              <a:t>16-1-2018</a:t>
+              <a:t>17-1-2018</a:t>
             </a:fld>
             <a:endParaRPr lang="nl-NL"/>
           </a:p>
@@ -2202,7 +2214,7 @@
           <a:lstStyle/>
           <a:p>
             <a:r>
-              <a:rPr lang="nl-NL" smtClean="0"/>
+              <a:rPr lang="nl-NL"/>
               <a:t>Klik om de stijl te bewerken</a:t>
             </a:r>
             <a:endParaRPr lang="en-US" dirty="0"/>
@@ -2226,7 +2238,7 @@
           <a:p>
             <a:fld id="{E94D80B7-DD36-4185-980D-0CF2BC8D5235}" type="datetimeFigureOut">
               <a:rPr lang="nl-NL" smtClean="0"/>
-              <a:t>16-1-2018</a:t>
+              <a:t>17-1-2018</a:t>
             </a:fld>
             <a:endParaRPr lang="nl-NL"/>
           </a:p>
@@ -2321,7 +2333,7 @@
           <a:p>
             <a:fld id="{E94D80B7-DD36-4185-980D-0CF2BC8D5235}" type="datetimeFigureOut">
               <a:rPr lang="nl-NL" smtClean="0"/>
-              <a:t>16-1-2018</a:t>
+              <a:t>17-1-2018</a:t>
             </a:fld>
             <a:endParaRPr lang="nl-NL"/>
           </a:p>
@@ -2471,7 +2483,7 @@
           </a:lstStyle>
           <a:p>
             <a:r>
-              <a:rPr lang="nl-NL" smtClean="0"/>
+              <a:rPr lang="nl-NL"/>
               <a:t>Klik om de stijl te bewerken</a:t>
             </a:r>
             <a:endParaRPr lang="en-US" dirty="0"/>
@@ -2528,35 +2540,35 @@
           <a:p>
             <a:pPr lvl="0"/>
             <a:r>
-              <a:rPr lang="nl-NL" smtClean="0"/>
+              <a:rPr lang="nl-NL"/>
               <a:t>Klik om de modelstijlen te bewerken</a:t>
             </a:r>
           </a:p>
           <a:p>
             <a:pPr lvl="1"/>
             <a:r>
-              <a:rPr lang="nl-NL" smtClean="0"/>
+              <a:rPr lang="nl-NL"/>
               <a:t>Tweede niveau</a:t>
             </a:r>
           </a:p>
           <a:p>
             <a:pPr lvl="2"/>
             <a:r>
-              <a:rPr lang="nl-NL" smtClean="0"/>
+              <a:rPr lang="nl-NL"/>
               <a:t>Derde niveau</a:t>
             </a:r>
           </a:p>
           <a:p>
             <a:pPr lvl="3"/>
             <a:r>
-              <a:rPr lang="nl-NL" smtClean="0"/>
+              <a:rPr lang="nl-NL"/>
               <a:t>Vierde niveau</a:t>
             </a:r>
           </a:p>
           <a:p>
             <a:pPr lvl="4"/>
             <a:r>
-              <a:rPr lang="nl-NL" smtClean="0"/>
+              <a:rPr lang="nl-NL"/>
               <a:t>Vijfde niveau</a:t>
             </a:r>
             <a:endParaRPr lang="en-US" dirty="0"/>
@@ -2631,7 +2643,7 @@
           <a:p>
             <a:pPr lvl="0"/>
             <a:r>
-              <a:rPr lang="nl-NL" smtClean="0"/>
+              <a:rPr lang="nl-NL"/>
               <a:t>Klik om de modelstijlen te bewerken</a:t>
             </a:r>
           </a:p>
@@ -2667,7 +2679,7 @@
           <a:p>
             <a:fld id="{E94D80B7-DD36-4185-980D-0CF2BC8D5235}" type="datetimeFigureOut">
               <a:rPr lang="nl-NL" smtClean="0"/>
-              <a:t>16-1-2018</a:t>
+              <a:t>17-1-2018</a:t>
             </a:fld>
             <a:endParaRPr lang="nl-NL"/>
           </a:p>
@@ -2877,7 +2889,7 @@
           </a:lstStyle>
           <a:p>
             <a:r>
-              <a:rPr lang="nl-NL" smtClean="0"/>
+              <a:rPr lang="nl-NL"/>
               <a:t>Klik om de stijl te bewerken</a:t>
             </a:r>
             <a:endParaRPr lang="en-US" dirty="0"/>
@@ -2944,7 +2956,7 @@
           </a:lstStyle>
           <a:p>
             <a:r>
-              <a:rPr lang="nl-NL" smtClean="0"/>
+              <a:rPr lang="nl-NL"/>
               <a:t>Klik op het pictogram als u een afbeelding wilt toevoegen</a:t>
             </a:r>
             <a:endParaRPr lang="en-US" dirty="0"/>
@@ -3019,7 +3031,7 @@
           <a:p>
             <a:pPr lvl="0"/>
             <a:r>
-              <a:rPr lang="nl-NL" smtClean="0"/>
+              <a:rPr lang="nl-NL"/>
               <a:t>Klik om de modelstijlen te bewerken</a:t>
             </a:r>
           </a:p>
@@ -3055,7 +3067,7 @@
           <a:p>
             <a:fld id="{E94D80B7-DD36-4185-980D-0CF2BC8D5235}" type="datetimeFigureOut">
               <a:rPr lang="nl-NL" smtClean="0"/>
-              <a:t>16-1-2018</a:t>
+              <a:t>17-1-2018</a:t>
             </a:fld>
             <a:endParaRPr lang="nl-NL"/>
           </a:p>
@@ -3231,7 +3243,7 @@
           <a:lstStyle/>
           <a:p>
             <a:r>
-              <a:rPr lang="nl-NL" smtClean="0"/>
+              <a:rPr lang="nl-NL"/>
               <a:t>Klik om de stijl te bewerken</a:t>
             </a:r>
             <a:endParaRPr lang="en-US" dirty="0"/>
@@ -3265,35 +3277,35 @@
           <a:p>
             <a:pPr lvl="0"/>
             <a:r>
-              <a:rPr lang="nl-NL" smtClean="0"/>
+              <a:rPr lang="nl-NL"/>
               <a:t>Klik om de modelstijlen te bewerken</a:t>
             </a:r>
           </a:p>
           <a:p>
             <a:pPr lvl="1"/>
             <a:r>
-              <a:rPr lang="nl-NL" smtClean="0"/>
+              <a:rPr lang="nl-NL"/>
               <a:t>Tweede niveau</a:t>
             </a:r>
           </a:p>
           <a:p>
             <a:pPr lvl="2"/>
             <a:r>
-              <a:rPr lang="nl-NL" smtClean="0"/>
+              <a:rPr lang="nl-NL"/>
               <a:t>Derde niveau</a:t>
             </a:r>
           </a:p>
           <a:p>
             <a:pPr lvl="3"/>
             <a:r>
-              <a:rPr lang="nl-NL" smtClean="0"/>
+              <a:rPr lang="nl-NL"/>
               <a:t>Vierde niveau</a:t>
             </a:r>
           </a:p>
           <a:p>
             <a:pPr lvl="4"/>
             <a:r>
-              <a:rPr lang="nl-NL" smtClean="0"/>
+              <a:rPr lang="nl-NL"/>
               <a:t>Vijfde niveau</a:t>
             </a:r>
             <a:endParaRPr lang="en-US" dirty="0"/>
@@ -3333,7 +3345,7 @@
           <a:p>
             <a:fld id="{E94D80B7-DD36-4185-980D-0CF2BC8D5235}" type="datetimeFigureOut">
               <a:rPr lang="nl-NL" smtClean="0"/>
-              <a:t>16-1-2018</a:t>
+              <a:t>17-1-2018</a:t>
             </a:fld>
             <a:endParaRPr lang="nl-NL"/>
           </a:p>
@@ -3782,42 +3794,42 @@
   <p:extLst mod="1">
     <p:ext uri="{27BBF7A9-308A-43DC-89C8-2F10F3537804}">
       <p15:sldGuideLst xmlns:p15="http://schemas.microsoft.com/office/powerpoint/2012/main">
-        <p15:guide id="4294967295" orient="horz" pos="1368">
+        <p15:guide id="1" orient="horz" pos="1368">
           <p15:clr>
             <a:srgbClr val="F26B43"/>
           </p15:clr>
         </p15:guide>
-        <p15:guide id="4294967295" orient="horz" pos="1440">
+        <p15:guide id="2" orient="horz" pos="1440">
           <p15:clr>
             <a:srgbClr val="F26B43"/>
           </p15:clr>
         </p15:guide>
-        <p15:guide id="4294967295" orient="horz" pos="3696">
+        <p15:guide id="3" orient="horz" pos="3696">
           <p15:clr>
             <a:srgbClr val="F26B43"/>
           </p15:clr>
         </p15:guide>
-        <p15:guide id="4294967295" orient="horz" pos="432">
+        <p15:guide id="4" orient="horz" pos="432">
           <p15:clr>
             <a:srgbClr val="F26B43"/>
           </p15:clr>
         </p15:guide>
-        <p15:guide id="4294967295" orient="horz" pos="1512">
+        <p15:guide id="5" orient="horz" pos="1512">
           <p15:clr>
             <a:srgbClr val="F26B43"/>
           </p15:clr>
         </p15:guide>
-        <p15:guide id="4294967295" pos="6912">
+        <p15:guide id="6" pos="6912">
           <p15:clr>
             <a:srgbClr val="F26B43"/>
           </p15:clr>
         </p15:guide>
-        <p15:guide id="4294967295" pos="936">
+        <p15:guide id="7" pos="936">
           <p15:clr>
             <a:srgbClr val="F26B43"/>
           </p15:clr>
         </p15:guide>
-        <p15:guide id="4294967295" pos="864">
+        <p15:guide id="8" pos="864">
           <p15:clr>
             <a:srgbClr val="F26B43"/>
           </p15:clr>
@@ -3861,10 +3873,9 @@
           <a:lstStyle/>
           <a:p>
             <a:r>
-              <a:rPr lang="nl-NL" dirty="0" smtClean="0"/>
+              <a:rPr lang="nl-NL" dirty="0"/>
               <a:t>Mokum Airways</a:t>
             </a:r>
-            <a:endParaRPr lang="nl-NL" dirty="0"/>
           </a:p>
         </p:txBody>
       </p:sp>
@@ -3891,19 +3902,18 @@
           <a:lstStyle/>
           <a:p>
             <a:r>
-              <a:rPr lang="nl-NL" dirty="0" smtClean="0"/>
+              <a:rPr lang="nl-NL" dirty="0"/>
               <a:t>BA2018</a:t>
             </a:r>
           </a:p>
           <a:p>
-            <a:endParaRPr lang="nl-NL" dirty="0" smtClean="0"/>
-          </a:p>
-          <a:p>
-            <a:r>
-              <a:rPr lang="nl-NL" sz="1600" dirty="0" smtClean="0"/>
+            <a:endParaRPr lang="nl-NL" dirty="0"/>
+          </a:p>
+          <a:p>
+            <a:r>
+              <a:rPr lang="nl-NL" sz="1600" dirty="0"/>
               <a:t>Daphne Molenwijk, Laura Holt, Wouter den Duijn, Joyce Timmer</a:t>
             </a:r>
-            <a:endParaRPr lang="nl-NL" sz="1600" dirty="0"/>
           </a:p>
         </p:txBody>
       </p:sp>
@@ -3917,13 +3927,6 @@
   <p:clrMapOvr>
     <a:masterClrMapping/>
   </p:clrMapOvr>
-  <p:timing>
-    <p:tnLst>
-      <p:par>
-        <p:cTn id="1" dur="indefinite" restart="never" nodeType="tmRoot"/>
-      </p:par>
-    </p:tnLst>
-  </p:timing>
 </p:sld>
 </file>
 
@@ -3960,10 +3963,9 @@
           <a:lstStyle/>
           <a:p>
             <a:r>
-              <a:rPr lang="nl-NL" dirty="0" smtClean="0"/>
+              <a:rPr lang="nl-NL" dirty="0"/>
               <a:t>The Case</a:t>
             </a:r>
-            <a:endParaRPr lang="nl-NL" dirty="0"/>
           </a:p>
         </p:txBody>
       </p:sp>
@@ -3990,46 +3992,45 @@
           <a:lstStyle/>
           <a:p>
             <a:r>
-              <a:rPr lang="en-GB" sz="2400" dirty="0" smtClean="0"/>
+              <a:rPr lang="en-GB" sz="2400" dirty="0"/>
               <a:t>6 aircrafts</a:t>
             </a:r>
           </a:p>
           <a:p>
             <a:r>
-              <a:rPr lang="en-GB" sz="2400" dirty="0" smtClean="0"/>
+              <a:rPr lang="en-GB" sz="2400" dirty="0"/>
               <a:t>28 cities</a:t>
             </a:r>
           </a:p>
           <a:p>
             <a:r>
-              <a:rPr lang="en-GB" sz="2400" dirty="0" smtClean="0"/>
+              <a:rPr lang="en-GB" sz="2400" dirty="0"/>
               <a:t>Create one-day flight schedules</a:t>
             </a:r>
           </a:p>
           <a:p>
             <a:r>
-              <a:rPr lang="en-GB" sz="2400" dirty="0" smtClean="0"/>
+              <a:rPr lang="en-GB" sz="2400" dirty="0"/>
               <a:t>20 hour day</a:t>
             </a:r>
           </a:p>
           <a:p>
             <a:r>
-              <a:rPr lang="en-GB" sz="2400" dirty="0" smtClean="0"/>
+              <a:rPr lang="en-GB" sz="2400" dirty="0"/>
               <a:t>Take into account boarding and refuelling times</a:t>
             </a:r>
           </a:p>
           <a:p>
             <a:r>
-              <a:rPr lang="en-GB" sz="2400" dirty="0" smtClean="0"/>
+              <a:rPr lang="en-GB" sz="2400" dirty="0"/>
               <a:t>Profit is the number of passengers times the corresponding kilometres. </a:t>
             </a:r>
           </a:p>
           <a:p>
             <a:r>
-              <a:rPr lang="en-GB" sz="2400" dirty="0" smtClean="0"/>
+              <a:rPr lang="en-GB" sz="2400" dirty="0"/>
               <a:t>Detours</a:t>
             </a:r>
-            <a:endParaRPr lang="en-GB" sz="2400" dirty="0"/>
           </a:p>
         </p:txBody>
       </p:sp>
@@ -4043,13 +4044,6 @@
   <p:clrMapOvr>
     <a:masterClrMapping/>
   </p:clrMapOvr>
-  <p:timing>
-    <p:tnLst>
-      <p:par>
-        <p:cTn id="1" dur="indefinite" restart="never" nodeType="tmRoot"/>
-      </p:par>
-    </p:tnLst>
-  </p:timing>
 </p:sld>
 </file>
 
@@ -4086,10 +4080,9 @@
           <a:lstStyle/>
           <a:p>
             <a:r>
-              <a:rPr lang="nl-NL" dirty="0" smtClean="0"/>
+              <a:rPr lang="nl-NL" dirty="0"/>
               <a:t>Random Algorithm</a:t>
             </a:r>
-            <a:endParaRPr lang="nl-NL" dirty="0"/>
           </a:p>
         </p:txBody>
       </p:sp>
@@ -4109,45 +4102,45 @@
           <a:lstStyle/>
           <a:p>
             <a:r>
-              <a:rPr lang="en-GB" sz="2400" dirty="0" smtClean="0"/>
+              <a:rPr lang="en-GB" sz="2400" dirty="0"/>
               <a:t>Create random route</a:t>
             </a:r>
           </a:p>
           <a:p>
             <a:pPr lvl="1"/>
             <a:r>
-              <a:rPr lang="en-GB" sz="2200" i="0" dirty="0" smtClean="0"/>
+              <a:rPr lang="en-GB" sz="2200" i="0" dirty="0"/>
               <a:t>For now, start in Amsterdam</a:t>
             </a:r>
           </a:p>
           <a:p>
             <a:pPr lvl="1"/>
             <a:r>
-              <a:rPr lang="en-GB" sz="2200" i="0" dirty="0" smtClean="0"/>
+              <a:rPr lang="en-GB" sz="2200" i="0" dirty="0"/>
               <a:t>Add random city at random index if valid</a:t>
             </a:r>
           </a:p>
           <a:p>
             <a:pPr lvl="1"/>
             <a:r>
-              <a:rPr lang="en-GB" sz="2200" i="0" dirty="0" smtClean="0"/>
+              <a:rPr lang="en-GB" sz="2200" i="0" dirty="0"/>
               <a:t>Add random number of passengers if valid</a:t>
             </a:r>
           </a:p>
           <a:p>
             <a:pPr lvl="1"/>
             <a:r>
-              <a:rPr lang="en-GB" sz="2200" i="0" dirty="0" smtClean="0"/>
+              <a:rPr lang="en-GB" sz="2200" i="0" dirty="0"/>
               <a:t>Stop if no more flying time left </a:t>
             </a:r>
           </a:p>
           <a:p>
             <a:pPr lvl="1"/>
-            <a:endParaRPr lang="en-GB" dirty="0" smtClean="0"/>
-          </a:p>
-          <a:p>
-            <a:r>
-              <a:rPr lang="en-GB" sz="2400" dirty="0" smtClean="0"/>
+            <a:endParaRPr lang="en-GB" dirty="0"/>
+          </a:p>
+          <a:p>
+            <a:r>
+              <a:rPr lang="en-GB" sz="2400" dirty="0"/>
               <a:t>Store the best route</a:t>
             </a:r>
           </a:p>
@@ -4166,13 +4159,6 @@
   <p:clrMapOvr>
     <a:masterClrMapping/>
   </p:clrMapOvr>
-  <p:timing>
-    <p:tnLst>
-      <p:par>
-        <p:cTn id="1" dur="indefinite" restart="never" nodeType="tmRoot"/>
-      </p:par>
-    </p:tnLst>
-  </p:timing>
 </p:sld>
 </file>
 
@@ -4209,10 +4195,9 @@
           <a:lstStyle/>
           <a:p>
             <a:r>
-              <a:rPr lang="nl-NL" dirty="0" smtClean="0"/>
+              <a:rPr lang="nl-NL" dirty="0"/>
               <a:t>Random Algorithm</a:t>
             </a:r>
-            <a:endParaRPr lang="nl-NL" dirty="0"/>
           </a:p>
         </p:txBody>
       </p:sp>
@@ -4232,19 +4217,29 @@
           <a:lstStyle/>
           <a:p>
             <a:r>
-              <a:rPr lang="nl-NL" sz="2400" dirty="0" smtClean="0"/>
-              <a:t>Schedule:</a:t>
-            </a:r>
-          </a:p>
-          <a:p>
-            <a:r>
-              <a:rPr lang="nl-NL" sz="2400" dirty="0" smtClean="0"/>
-              <a:t>Profit:</a:t>
-            </a:r>
-          </a:p>
-          <a:p>
-            <a:r>
-              <a:rPr lang="nl-NL" sz="2400" dirty="0" err="1" smtClean="0">
+              <a:rPr lang="nl-NL" sz="2400" dirty="0"/>
+              <a:t>Schedule: </a:t>
+            </a:r>
+            <a:r>
+              <a:rPr lang="nl-NL" dirty="0"/>
+              <a:t>[Amsterdam, Minsk, Madrid, Kiev, Amsterdam]</a:t>
+            </a:r>
+            <a:endParaRPr lang="nl-NL" sz="2400" dirty="0"/>
+          </a:p>
+          <a:p>
+            <a:r>
+              <a:rPr lang="nl-NL" sz="2400" dirty="0"/>
+              <a:t>Profit: </a:t>
+            </a:r>
+            <a:r>
+              <a:rPr lang="nl-NL" dirty="0"/>
+              <a:t>€1,083,111.00</a:t>
+            </a:r>
+            <a:endParaRPr lang="nl-NL" sz="2400" dirty="0"/>
+          </a:p>
+          <a:p>
+            <a:r>
+              <a:rPr lang="nl-NL" sz="2400" dirty="0" err="1">
                 <a:solidFill>
                   <a:srgbClr val="FF0000"/>
                 </a:solidFill>
@@ -4252,7 +4247,7 @@
               <a:t>Add</a:t>
             </a:r>
             <a:r>
-              <a:rPr lang="nl-NL" sz="2400" dirty="0" smtClean="0">
+              <a:rPr lang="nl-NL" sz="2400" dirty="0">
                 <a:solidFill>
                   <a:srgbClr val="FF0000"/>
                 </a:solidFill>
@@ -4265,6 +4260,35 @@
           </a:p>
         </p:txBody>
       </p:sp>
+      <p:pic>
+        <p:nvPicPr>
+          <p:cNvPr id="4" name="Afbeelding 3">
+            <a:extLst>
+              <a:ext uri="{FF2B5EF4-FFF2-40B4-BE49-F238E27FC236}">
+                <a16:creationId xmlns:a16="http://schemas.microsoft.com/office/drawing/2014/main" id="{93AE6F5D-5EEE-4ECA-BC05-34DE915F858C}"/>
+              </a:ext>
+            </a:extLst>
+          </p:cNvPr>
+          <p:cNvPicPr>
+            <a:picLocks noChangeAspect="1"/>
+          </p:cNvPicPr>
+          <p:nvPr/>
+        </p:nvPicPr>
+        <p:blipFill rotWithShape="1">
+          <a:blip r:embed="rId2"/>
+          <a:srcRect l="37039" t="2643" r="7230" b="8082"/>
+          <a:stretch/>
+        </p:blipFill>
+        <p:spPr>
+          <a:xfrm>
+            <a:off x="7729809" y="2917594"/>
+            <a:ext cx="4216719" cy="3797666"/>
+          </a:xfrm>
+          <a:prstGeom prst="rect">
+            <a:avLst/>
+          </a:prstGeom>
+        </p:spPr>
+      </p:pic>
     </p:spTree>
     <p:extLst>
       <p:ext uri="{BB962C8B-B14F-4D97-AF65-F5344CB8AC3E}">
@@ -4275,13 +4299,6 @@
   <p:clrMapOvr>
     <a:masterClrMapping/>
   </p:clrMapOvr>
-  <p:timing>
-    <p:tnLst>
-      <p:par>
-        <p:cTn id="1" dur="indefinite" restart="never" nodeType="tmRoot"/>
-      </p:par>
-    </p:tnLst>
-  </p:timing>
 </p:sld>
 </file>
 
@@ -4318,10 +4335,9 @@
           <a:lstStyle/>
           <a:p>
             <a:r>
-              <a:rPr lang="nl-NL" dirty="0" smtClean="0"/>
+              <a:rPr lang="nl-NL" dirty="0"/>
               <a:t>Hill Climber Algorithm</a:t>
             </a:r>
-            <a:endParaRPr lang="nl-NL" dirty="0"/>
           </a:p>
         </p:txBody>
       </p:sp>
@@ -4343,32 +4359,32 @@
           <a:lstStyle/>
           <a:p>
             <a:r>
-              <a:rPr lang="en-GB" sz="2400" dirty="0" smtClean="0"/>
+              <a:rPr lang="en-GB" sz="2400" dirty="0"/>
               <a:t>Hill Climber Restart</a:t>
             </a:r>
           </a:p>
           <a:p>
             <a:pPr lvl="1"/>
             <a:r>
-              <a:rPr lang="en-GB" sz="2200" i="0" dirty="0" smtClean="0"/>
+              <a:rPr lang="en-GB" sz="2200" i="0" dirty="0"/>
               <a:t>Start with random route</a:t>
             </a:r>
           </a:p>
           <a:p>
             <a:pPr lvl="1"/>
             <a:r>
-              <a:rPr lang="en-GB" sz="2200" i="0" dirty="0" smtClean="0"/>
-              <a:t>Remove and add cities</a:t>
+              <a:rPr lang="en-GB" sz="2200" i="0" dirty="0"/>
+              <a:t>Apply random mutations</a:t>
             </a:r>
           </a:p>
           <a:p>
             <a:pPr lvl="1"/>
             <a:r>
-              <a:rPr lang="en-GB" sz="2200" i="0" dirty="0" smtClean="0"/>
+              <a:rPr lang="en-GB" sz="2200" i="0" dirty="0"/>
               <a:t>Local optimum </a:t>
             </a:r>
             <a:r>
-              <a:rPr lang="en-GB" sz="2200" i="0" dirty="0" smtClean="0">
+              <a:rPr lang="en-GB" sz="2200" i="0" dirty="0">
                 <a:sym typeface="Wingdings" panose="05000000000000000000" pitchFamily="2" charset="2"/>
               </a:rPr>
               <a:t> Restart with new random route</a:t>
@@ -4387,13 +4403,642 @@
   <p:clrMapOvr>
     <a:masterClrMapping/>
   </p:clrMapOvr>
-  <p:timing>
-    <p:tnLst>
-      <p:par>
-        <p:cTn id="1" dur="indefinite" restart="never" nodeType="tmRoot"/>
-      </p:par>
-    </p:tnLst>
-  </p:timing>
+</p:sld>
+</file>
+
+<file path=ppt/slides/slide6.xml><?xml version="1.0" encoding="utf-8"?>
+<p:sld xmlns:a="http://schemas.openxmlformats.org/drawingml/2006/main" xmlns:r="http://schemas.openxmlformats.org/officeDocument/2006/relationships" xmlns:p="http://schemas.openxmlformats.org/presentationml/2006/main">
+  <p:cSld>
+    <p:spTree>
+      <p:nvGrpSpPr>
+        <p:cNvPr id="1" name=""/>
+        <p:cNvGrpSpPr/>
+        <p:nvPr/>
+      </p:nvGrpSpPr>
+      <p:grpSpPr>
+        <a:xfrm>
+          <a:off x="0" y="0"/>
+          <a:ext cx="0" cy="0"/>
+          <a:chOff x="0" y="0"/>
+          <a:chExt cx="0" cy="0"/>
+        </a:xfrm>
+      </p:grpSpPr>
+      <p:sp>
+        <p:nvSpPr>
+          <p:cNvPr id="2" name="Titel 1">
+            <a:extLst>
+              <a:ext uri="{FF2B5EF4-FFF2-40B4-BE49-F238E27FC236}">
+                <a16:creationId xmlns:a16="http://schemas.microsoft.com/office/drawing/2014/main" id="{B8FEBF4A-E504-429A-9363-CF78BC5C184F}"/>
+              </a:ext>
+            </a:extLst>
+          </p:cNvPr>
+          <p:cNvSpPr>
+            <a:spLocks noGrp="1"/>
+          </p:cNvSpPr>
+          <p:nvPr>
+            <p:ph type="title"/>
+          </p:nvPr>
+        </p:nvSpPr>
+        <p:spPr/>
+        <p:txBody>
+          <a:bodyPr/>
+          <a:lstStyle/>
+          <a:p>
+            <a:r>
+              <a:rPr lang="nl-NL" dirty="0" err="1"/>
+              <a:t>Mutations</a:t>
+            </a:r>
+            <a:endParaRPr lang="nl-NL" dirty="0"/>
+          </a:p>
+        </p:txBody>
+      </p:sp>
+      <p:sp>
+        <p:nvSpPr>
+          <p:cNvPr id="3" name="Tijdelijke aanduiding voor inhoud 2">
+            <a:extLst>
+              <a:ext uri="{FF2B5EF4-FFF2-40B4-BE49-F238E27FC236}">
+                <a16:creationId xmlns:a16="http://schemas.microsoft.com/office/drawing/2014/main" id="{EF681013-444B-4FE7-BEBB-69DE5DADA6AC}"/>
+              </a:ext>
+            </a:extLst>
+          </p:cNvPr>
+          <p:cNvSpPr>
+            <a:spLocks noGrp="1"/>
+          </p:cNvSpPr>
+          <p:nvPr>
+            <p:ph idx="1"/>
+          </p:nvPr>
+        </p:nvSpPr>
+        <p:spPr/>
+        <p:txBody>
+          <a:bodyPr/>
+          <a:lstStyle/>
+          <a:p>
+            <a:r>
+              <a:rPr lang="nl-NL" dirty="0" err="1"/>
+              <a:t>Add</a:t>
+            </a:r>
+            <a:r>
+              <a:rPr lang="nl-NL" dirty="0"/>
+              <a:t>/</a:t>
+            </a:r>
+            <a:r>
+              <a:rPr lang="nl-NL" dirty="0" err="1"/>
+              <a:t>Remove</a:t>
+            </a:r>
+            <a:r>
+              <a:rPr lang="nl-NL" dirty="0"/>
+              <a:t> </a:t>
+            </a:r>
+            <a:r>
+              <a:rPr lang="nl-NL" dirty="0" err="1"/>
+              <a:t>city</a:t>
+            </a:r>
+            <a:endParaRPr lang="nl-NL" dirty="0"/>
+          </a:p>
+          <a:p>
+            <a:r>
+              <a:rPr lang="nl-NL" dirty="0" err="1"/>
+              <a:t>Add</a:t>
+            </a:r>
+            <a:r>
+              <a:rPr lang="nl-NL" dirty="0"/>
+              <a:t>/</a:t>
+            </a:r>
+            <a:r>
+              <a:rPr lang="nl-NL" dirty="0" err="1"/>
+              <a:t>Remove</a:t>
+            </a:r>
+            <a:r>
+              <a:rPr lang="nl-NL" dirty="0"/>
+              <a:t> </a:t>
+            </a:r>
+            <a:r>
+              <a:rPr lang="nl-NL" dirty="0" err="1"/>
+              <a:t>passengers</a:t>
+            </a:r>
+            <a:endParaRPr lang="nl-NL" dirty="0"/>
+          </a:p>
+          <a:p>
+            <a:r>
+              <a:rPr lang="nl-NL" dirty="0"/>
+              <a:t>Swap </a:t>
+            </a:r>
+            <a:r>
+              <a:rPr lang="nl-NL" dirty="0" err="1"/>
+              <a:t>cities</a:t>
+            </a:r>
+            <a:endParaRPr lang="nl-NL" dirty="0"/>
+          </a:p>
+          <a:p>
+            <a:r>
+              <a:rPr lang="nl-NL" dirty="0"/>
+              <a:t>Swap </a:t>
+            </a:r>
+            <a:r>
+              <a:rPr lang="nl-NL" dirty="0" err="1"/>
+              <a:t>detour</a:t>
+            </a:r>
+            <a:endParaRPr lang="nl-NL" dirty="0"/>
+          </a:p>
+          <a:p>
+            <a:endParaRPr lang="nl-NL" dirty="0"/>
+          </a:p>
+        </p:txBody>
+      </p:sp>
+    </p:spTree>
+    <p:extLst>
+      <p:ext uri="{BB962C8B-B14F-4D97-AF65-F5344CB8AC3E}">
+        <p14:creationId xmlns:p14="http://schemas.microsoft.com/office/powerpoint/2010/main" val="2567444771"/>
+      </p:ext>
+    </p:extLst>
+  </p:cSld>
+  <p:clrMapOvr>
+    <a:masterClrMapping/>
+  </p:clrMapOvr>
+</p:sld>
+</file>
+
+<file path=ppt/slides/slide7.xml><?xml version="1.0" encoding="utf-8"?>
+<p:sld xmlns:a="http://schemas.openxmlformats.org/drawingml/2006/main" xmlns:r="http://schemas.openxmlformats.org/officeDocument/2006/relationships" xmlns:p="http://schemas.openxmlformats.org/presentationml/2006/main">
+  <p:cSld>
+    <p:spTree>
+      <p:nvGrpSpPr>
+        <p:cNvPr id="1" name=""/>
+        <p:cNvGrpSpPr/>
+        <p:nvPr/>
+      </p:nvGrpSpPr>
+      <p:grpSpPr>
+        <a:xfrm>
+          <a:off x="0" y="0"/>
+          <a:ext cx="0" cy="0"/>
+          <a:chOff x="0" y="0"/>
+          <a:chExt cx="0" cy="0"/>
+        </a:xfrm>
+      </p:grpSpPr>
+      <p:sp>
+        <p:nvSpPr>
+          <p:cNvPr id="2" name="Titel 1">
+            <a:extLst>
+              <a:ext uri="{FF2B5EF4-FFF2-40B4-BE49-F238E27FC236}">
+                <a16:creationId xmlns:a16="http://schemas.microsoft.com/office/drawing/2014/main" id="{A1BB8794-87D5-46D6-8A62-EC30FC501072}"/>
+              </a:ext>
+            </a:extLst>
+          </p:cNvPr>
+          <p:cNvSpPr>
+            <a:spLocks noGrp="1"/>
+          </p:cNvSpPr>
+          <p:nvPr>
+            <p:ph type="title"/>
+          </p:nvPr>
+        </p:nvSpPr>
+        <p:spPr/>
+        <p:txBody>
+          <a:bodyPr/>
+          <a:lstStyle/>
+          <a:p>
+            <a:r>
+              <a:rPr lang="nl-NL" dirty="0"/>
+              <a:t>Swap </a:t>
+            </a:r>
+            <a:r>
+              <a:rPr lang="nl-NL" dirty="0" err="1"/>
+              <a:t>detour</a:t>
+            </a:r>
+            <a:br>
+              <a:rPr lang="nl-NL" dirty="0"/>
+            </a:br>
+            <a:endParaRPr lang="nl-NL" dirty="0"/>
+          </a:p>
+        </p:txBody>
+      </p:sp>
+      <p:sp>
+        <p:nvSpPr>
+          <p:cNvPr id="13" name="Tijdelijke aanduiding voor tekst 12">
+            <a:extLst>
+              <a:ext uri="{FF2B5EF4-FFF2-40B4-BE49-F238E27FC236}">
+                <a16:creationId xmlns:a16="http://schemas.microsoft.com/office/drawing/2014/main" id="{050EB52E-3964-4D33-B0F0-6FF283B52959}"/>
+              </a:ext>
+            </a:extLst>
+          </p:cNvPr>
+          <p:cNvSpPr>
+            <a:spLocks noGrp="1"/>
+          </p:cNvSpPr>
+          <p:nvPr>
+            <p:ph type="body" idx="1"/>
+          </p:nvPr>
+        </p:nvSpPr>
+        <p:spPr>
+          <a:xfrm>
+            <a:off x="1371599" y="4586303"/>
+            <a:ext cx="4443984" cy="1290232"/>
+          </a:xfrm>
+        </p:spPr>
+        <p:txBody>
+          <a:bodyPr/>
+          <a:lstStyle/>
+          <a:p>
+            <a:endParaRPr lang="nl-NL" dirty="0"/>
+          </a:p>
+          <a:p>
+            <a:r>
+              <a:rPr lang="nl-NL" dirty="0"/>
+              <a:t>Old:</a:t>
+            </a:r>
+          </a:p>
+          <a:p>
+            <a:r>
+              <a:rPr lang="nl-NL" dirty="0"/>
+              <a:t>MAD </a:t>
+            </a:r>
+            <a:r>
+              <a:rPr lang="nl-NL" dirty="0">
+                <a:sym typeface="Wingdings" panose="05000000000000000000" pitchFamily="2" charset="2"/>
+              </a:rPr>
+              <a:t></a:t>
+            </a:r>
+            <a:r>
+              <a:rPr lang="nl-NL" dirty="0"/>
+              <a:t> ATH  150</a:t>
+            </a:r>
+          </a:p>
+          <a:p>
+            <a:r>
+              <a:rPr lang="nl-NL" dirty="0"/>
+              <a:t>MAD </a:t>
+            </a:r>
+            <a:r>
+              <a:rPr lang="nl-NL" dirty="0">
+                <a:sym typeface="Wingdings" panose="05000000000000000000" pitchFamily="2" charset="2"/>
+              </a:rPr>
+              <a:t> AMS 50</a:t>
+            </a:r>
+          </a:p>
+          <a:p>
+            <a:r>
+              <a:rPr lang="nl-NL" dirty="0">
+                <a:sym typeface="Wingdings" panose="05000000000000000000" pitchFamily="2" charset="2"/>
+              </a:rPr>
+              <a:t>AMS  ATH 50</a:t>
+            </a:r>
+          </a:p>
+          <a:p>
+            <a:endParaRPr lang="nl-NL" dirty="0">
+              <a:sym typeface="Wingdings" panose="05000000000000000000" pitchFamily="2" charset="2"/>
+            </a:endParaRPr>
+          </a:p>
+          <a:p>
+            <a:r>
+              <a:rPr lang="nl-NL" dirty="0">
+                <a:sym typeface="Wingdings" panose="05000000000000000000" pitchFamily="2" charset="2"/>
+              </a:rPr>
+              <a:t>New:</a:t>
+            </a:r>
+          </a:p>
+          <a:p>
+            <a:r>
+              <a:rPr lang="nl-NL" dirty="0">
+                <a:sym typeface="Wingdings" panose="05000000000000000000" pitchFamily="2" charset="2"/>
+              </a:rPr>
+              <a:t>MAD  ATH 50</a:t>
+            </a:r>
+          </a:p>
+          <a:p>
+            <a:r>
+              <a:rPr lang="nl-NL" dirty="0">
+                <a:sym typeface="Wingdings" panose="05000000000000000000" pitchFamily="2" charset="2"/>
+              </a:rPr>
+              <a:t>MAD  AMS 150</a:t>
+            </a:r>
+          </a:p>
+          <a:p>
+            <a:r>
+              <a:rPr lang="nl-NL" dirty="0">
+                <a:sym typeface="Wingdings" panose="05000000000000000000" pitchFamily="2" charset="2"/>
+              </a:rPr>
+              <a:t>AMS  ATH 150</a:t>
+            </a:r>
+          </a:p>
+          <a:p>
+            <a:endParaRPr lang="nl-NL" dirty="0"/>
+          </a:p>
+          <a:p>
+            <a:endParaRPr lang="nl-NL" dirty="0"/>
+          </a:p>
+        </p:txBody>
+      </p:sp>
+      <p:pic>
+        <p:nvPicPr>
+          <p:cNvPr id="5" name="Tijdelijke aanduiding voor inhoud 4">
+            <a:extLst>
+              <a:ext uri="{FF2B5EF4-FFF2-40B4-BE49-F238E27FC236}">
+                <a16:creationId xmlns:a16="http://schemas.microsoft.com/office/drawing/2014/main" id="{25CB3DED-B47B-4BE5-83A6-56DF8559F1BB}"/>
+              </a:ext>
+            </a:extLst>
+          </p:cNvPr>
+          <p:cNvPicPr>
+            <a:picLocks noGrp="1" noChangeAspect="1"/>
+          </p:cNvPicPr>
+          <p:nvPr>
+            <p:ph sz="half" idx="2"/>
+          </p:nvPr>
+        </p:nvPicPr>
+        <p:blipFill>
+          <a:blip r:embed="rId2">
+            <a:extLst>
+              <a:ext uri="{28A0092B-C50C-407E-A947-70E740481C1C}">
+                <a14:useLocalDpi xmlns:a14="http://schemas.microsoft.com/office/drawing/2010/main" val="0"/>
+              </a:ext>
+            </a:extLst>
+          </a:blip>
+          <a:stretch>
+            <a:fillRect/>
+          </a:stretch>
+        </p:blipFill>
+        <p:spPr>
+          <a:xfrm>
+            <a:off x="6376418" y="1530322"/>
+            <a:ext cx="4443984" cy="3797356"/>
+          </a:xfrm>
+        </p:spPr>
+      </p:pic>
+      <p:sp>
+        <p:nvSpPr>
+          <p:cNvPr id="14" name="Tijdelijke aanduiding voor tekst 13">
+            <a:extLst>
+              <a:ext uri="{FF2B5EF4-FFF2-40B4-BE49-F238E27FC236}">
+                <a16:creationId xmlns:a16="http://schemas.microsoft.com/office/drawing/2014/main" id="{0679FF4B-649D-4338-907E-182FF490F643}"/>
+              </a:ext>
+            </a:extLst>
+          </p:cNvPr>
+          <p:cNvSpPr>
+            <a:spLocks noGrp="1"/>
+          </p:cNvSpPr>
+          <p:nvPr>
+            <p:ph type="body" sz="quarter" idx="3"/>
+          </p:nvPr>
+        </p:nvSpPr>
+        <p:spPr/>
+        <p:txBody>
+          <a:bodyPr/>
+          <a:lstStyle/>
+          <a:p>
+            <a:endParaRPr lang="nl-NL"/>
+          </a:p>
+        </p:txBody>
+      </p:sp>
+      <p:sp>
+        <p:nvSpPr>
+          <p:cNvPr id="15" name="Tijdelijke aanduiding voor inhoud 14">
+            <a:extLst>
+              <a:ext uri="{FF2B5EF4-FFF2-40B4-BE49-F238E27FC236}">
+                <a16:creationId xmlns:a16="http://schemas.microsoft.com/office/drawing/2014/main" id="{EE382144-F8AB-4273-B3FD-131BD791E39E}"/>
+              </a:ext>
+            </a:extLst>
+          </p:cNvPr>
+          <p:cNvSpPr>
+            <a:spLocks noGrp="1"/>
+          </p:cNvSpPr>
+          <p:nvPr>
+            <p:ph sz="quarter" idx="4"/>
+          </p:nvPr>
+        </p:nvSpPr>
+        <p:spPr/>
+        <p:txBody>
+          <a:bodyPr/>
+          <a:lstStyle/>
+          <a:p>
+            <a:endParaRPr lang="nl-NL" dirty="0"/>
+          </a:p>
+        </p:txBody>
+      </p:sp>
+      <p:cxnSp>
+        <p:nvCxnSpPr>
+          <p:cNvPr id="9" name="Rechte verbindingslijn met pijl 8">
+            <a:extLst>
+              <a:ext uri="{FF2B5EF4-FFF2-40B4-BE49-F238E27FC236}">
+                <a16:creationId xmlns:a16="http://schemas.microsoft.com/office/drawing/2014/main" id="{1044903C-90BE-48BF-B4A5-30C0A8054CDE}"/>
+              </a:ext>
+            </a:extLst>
+          </p:cNvPr>
+          <p:cNvCxnSpPr>
+            <a:cxnSpLocks/>
+          </p:cNvCxnSpPr>
+          <p:nvPr/>
+        </p:nvCxnSpPr>
+        <p:spPr>
+          <a:xfrm flipV="1">
+            <a:off x="6957391" y="3631096"/>
+            <a:ext cx="715618" cy="1150572"/>
+          </a:xfrm>
+          <a:prstGeom prst="straightConnector1">
+            <a:avLst/>
+          </a:prstGeom>
+          <a:ln>
+            <a:solidFill>
+              <a:srgbClr val="FF0000"/>
+            </a:solidFill>
+            <a:tailEnd type="triangle"/>
+          </a:ln>
+        </p:spPr>
+        <p:style>
+          <a:lnRef idx="2">
+            <a:schemeClr val="accent6"/>
+          </a:lnRef>
+          <a:fillRef idx="0">
+            <a:schemeClr val="accent6"/>
+          </a:fillRef>
+          <a:effectRef idx="1">
+            <a:schemeClr val="accent6"/>
+          </a:effectRef>
+          <a:fontRef idx="minor">
+            <a:schemeClr val="tx1"/>
+          </a:fontRef>
+        </p:style>
+      </p:cxnSp>
+      <p:cxnSp>
+        <p:nvCxnSpPr>
+          <p:cNvPr id="11" name="Rechte verbindingslijn met pijl 10">
+            <a:extLst>
+              <a:ext uri="{FF2B5EF4-FFF2-40B4-BE49-F238E27FC236}">
+                <a16:creationId xmlns:a16="http://schemas.microsoft.com/office/drawing/2014/main" id="{36209837-E837-48DB-B8BC-8DD9828EC418}"/>
+              </a:ext>
+            </a:extLst>
+          </p:cNvPr>
+          <p:cNvCxnSpPr>
+            <a:cxnSpLocks/>
+          </p:cNvCxnSpPr>
+          <p:nvPr/>
+        </p:nvCxnSpPr>
+        <p:spPr>
+          <a:xfrm>
+            <a:off x="7673009" y="3631096"/>
+            <a:ext cx="1445378" cy="1364974"/>
+          </a:xfrm>
+          <a:prstGeom prst="straightConnector1">
+            <a:avLst/>
+          </a:prstGeom>
+          <a:ln>
+            <a:solidFill>
+              <a:srgbClr val="FF0000"/>
+            </a:solidFill>
+            <a:tailEnd type="triangle"/>
+          </a:ln>
+        </p:spPr>
+        <p:style>
+          <a:lnRef idx="2">
+            <a:schemeClr val="accent3"/>
+          </a:lnRef>
+          <a:fillRef idx="0">
+            <a:schemeClr val="accent3"/>
+          </a:fillRef>
+          <a:effectRef idx="1">
+            <a:schemeClr val="accent3"/>
+          </a:effectRef>
+          <a:fontRef idx="minor">
+            <a:schemeClr val="tx1"/>
+          </a:fontRef>
+        </p:style>
+      </p:cxnSp>
+    </p:spTree>
+    <p:extLst>
+      <p:ext uri="{BB962C8B-B14F-4D97-AF65-F5344CB8AC3E}">
+        <p14:creationId xmlns:p14="http://schemas.microsoft.com/office/powerpoint/2010/main" val="4021325677"/>
+      </p:ext>
+    </p:extLst>
+  </p:cSld>
+  <p:clrMapOvr>
+    <a:masterClrMapping/>
+  </p:clrMapOvr>
+</p:sld>
+</file>
+
+<file path=ppt/slides/slide8.xml><?xml version="1.0" encoding="utf-8"?>
+<p:sld xmlns:a="http://schemas.openxmlformats.org/drawingml/2006/main" xmlns:r="http://schemas.openxmlformats.org/officeDocument/2006/relationships" xmlns:p="http://schemas.openxmlformats.org/presentationml/2006/main">
+  <p:cSld>
+    <p:spTree>
+      <p:nvGrpSpPr>
+        <p:cNvPr id="1" name=""/>
+        <p:cNvGrpSpPr/>
+        <p:nvPr/>
+      </p:nvGrpSpPr>
+      <p:grpSpPr>
+        <a:xfrm>
+          <a:off x="0" y="0"/>
+          <a:ext cx="0" cy="0"/>
+          <a:chOff x="0" y="0"/>
+          <a:chExt cx="0" cy="0"/>
+        </a:xfrm>
+      </p:grpSpPr>
+      <p:sp>
+        <p:nvSpPr>
+          <p:cNvPr id="7" name="Titel 6">
+            <a:extLst>
+              <a:ext uri="{FF2B5EF4-FFF2-40B4-BE49-F238E27FC236}">
+                <a16:creationId xmlns:a16="http://schemas.microsoft.com/office/drawing/2014/main" id="{B023C60A-46E9-4EE8-9C95-36FE1185A60C}"/>
+              </a:ext>
+            </a:extLst>
+          </p:cNvPr>
+          <p:cNvSpPr>
+            <a:spLocks noGrp="1"/>
+          </p:cNvSpPr>
+          <p:nvPr>
+            <p:ph type="title"/>
+          </p:nvPr>
+        </p:nvSpPr>
+        <p:spPr/>
+        <p:txBody>
+          <a:bodyPr/>
+          <a:lstStyle/>
+          <a:p>
+            <a:r>
+              <a:rPr lang="nl-NL" dirty="0" err="1"/>
+              <a:t>Current</a:t>
+            </a:r>
+            <a:r>
+              <a:rPr lang="nl-NL" dirty="0"/>
+              <a:t> status</a:t>
+            </a:r>
+          </a:p>
+        </p:txBody>
+      </p:sp>
+      <p:sp>
+        <p:nvSpPr>
+          <p:cNvPr id="8" name="Tijdelijke aanduiding voor inhoud 7">
+            <a:extLst>
+              <a:ext uri="{FF2B5EF4-FFF2-40B4-BE49-F238E27FC236}">
+                <a16:creationId xmlns:a16="http://schemas.microsoft.com/office/drawing/2014/main" id="{3DD13823-E691-4E1C-BFED-03845170C27D}"/>
+              </a:ext>
+            </a:extLst>
+          </p:cNvPr>
+          <p:cNvSpPr>
+            <a:spLocks noGrp="1"/>
+          </p:cNvSpPr>
+          <p:nvPr>
+            <p:ph idx="1"/>
+          </p:nvPr>
+        </p:nvSpPr>
+        <p:spPr/>
+        <p:txBody>
+          <a:bodyPr/>
+          <a:lstStyle/>
+          <a:p>
+            <a:r>
+              <a:rPr lang="nl-NL" dirty="0" err="1"/>
+              <a:t>Implementing</a:t>
+            </a:r>
+            <a:r>
+              <a:rPr lang="nl-NL" dirty="0"/>
+              <a:t> </a:t>
+            </a:r>
+            <a:r>
+              <a:rPr lang="nl-NL" dirty="0" err="1"/>
+              <a:t>mutations</a:t>
+            </a:r>
+            <a:endParaRPr lang="nl-NL" dirty="0"/>
+          </a:p>
+          <a:p>
+            <a:r>
+              <a:rPr lang="nl-NL" dirty="0" err="1"/>
+              <a:t>Implementing</a:t>
+            </a:r>
+            <a:r>
+              <a:rPr lang="nl-NL" dirty="0"/>
+              <a:t> </a:t>
+            </a:r>
+            <a:r>
+              <a:rPr lang="nl-NL" dirty="0" err="1"/>
+              <a:t>hill</a:t>
+            </a:r>
+            <a:r>
+              <a:rPr lang="nl-NL" dirty="0"/>
+              <a:t> </a:t>
+            </a:r>
+            <a:r>
+              <a:rPr lang="nl-NL" dirty="0" err="1"/>
+              <a:t>climber</a:t>
+            </a:r>
+            <a:r>
+              <a:rPr lang="nl-NL" dirty="0"/>
+              <a:t> </a:t>
+            </a:r>
+            <a:r>
+              <a:rPr lang="nl-NL" dirty="0" err="1"/>
+              <a:t>algorithm</a:t>
+            </a:r>
+            <a:endParaRPr lang="nl-NL" dirty="0"/>
+          </a:p>
+        </p:txBody>
+      </p:sp>
+    </p:spTree>
+    <p:extLst>
+      <p:ext uri="{BB962C8B-B14F-4D97-AF65-F5344CB8AC3E}">
+        <p14:creationId xmlns:p14="http://schemas.microsoft.com/office/powerpoint/2010/main" val="3415795761"/>
+      </p:ext>
+    </p:extLst>
+  </p:cSld>
+  <p:clrMapOvr>
+    <a:masterClrMapping/>
+  </p:clrMapOvr>
 </p:sld>
 </file>
 

--- a/doc/Mokum Airways PP.pptx
+++ b/doc/Mokum Airways PP.pptx
@@ -4103,21 +4103,30 @@
           <a:p>
             <a:r>
               <a:rPr lang="en-GB" sz="2400" dirty="0"/>
-              <a:t>Create random route</a:t>
-            </a:r>
+              <a:t>Create random </a:t>
+            </a:r>
+            <a:r>
+              <a:rPr lang="en-GB" sz="2400" dirty="0" smtClean="0"/>
+              <a:t>route</a:t>
+            </a:r>
+            <a:endParaRPr lang="en-GB" sz="2200" i="0" dirty="0"/>
           </a:p>
           <a:p>
             <a:pPr lvl="1"/>
             <a:r>
+              <a:rPr lang="en-GB" sz="2200" i="0" dirty="0" smtClean="0"/>
+              <a:t>Add Amsterdam if not start city</a:t>
+            </a:r>
+          </a:p>
+          <a:p>
+            <a:pPr lvl="1"/>
+            <a:r>
+              <a:rPr lang="en-GB" sz="2200" i="0" dirty="0" smtClean="0"/>
+              <a:t>Add </a:t>
+            </a:r>
+            <a:r>
               <a:rPr lang="en-GB" sz="2200" i="0" dirty="0"/>
-              <a:t>For now, start in Amsterdam</a:t>
-            </a:r>
-          </a:p>
-          <a:p>
-            <a:pPr lvl="1"/>
-            <a:r>
-              <a:rPr lang="en-GB" sz="2200" i="0" dirty="0"/>
-              <a:t>Add random city at random index if valid</a:t>
+              <a:t>random city at random index if valid</a:t>
             </a:r>
           </a:p>
           <a:p>
@@ -4238,22 +4247,14 @@
             <a:endParaRPr lang="nl-NL" sz="2400" dirty="0"/>
           </a:p>
           <a:p>
-            <a:r>
-              <a:rPr lang="nl-NL" sz="2400" dirty="0" err="1">
-                <a:solidFill>
-                  <a:srgbClr val="FF0000"/>
-                </a:solidFill>
-              </a:rPr>
-              <a:t>Add</a:t>
-            </a:r>
-            <a:r>
-              <a:rPr lang="nl-NL" sz="2400" dirty="0">
-                <a:solidFill>
-                  <a:srgbClr val="FF0000"/>
-                </a:solidFill>
-              </a:rPr>
-              <a:t> map</a:t>
-            </a:r>
+            <a:pPr marL="0" indent="0">
+              <a:buNone/>
+            </a:pPr>
+            <a:endParaRPr lang="nl-NL" sz="2400" dirty="0">
+              <a:solidFill>
+                <a:srgbClr val="FF0000"/>
+              </a:solidFill>
+            </a:endParaRPr>
           </a:p>
           <a:p>
             <a:endParaRPr lang="nl-NL" dirty="0"/>
@@ -4265,7 +4266,7 @@
           <p:cNvPr id="4" name="Afbeelding 3">
             <a:extLst>
               <a:ext uri="{FF2B5EF4-FFF2-40B4-BE49-F238E27FC236}">
-                <a16:creationId xmlns:a16="http://schemas.microsoft.com/office/drawing/2014/main" id="{93AE6F5D-5EEE-4ECA-BC05-34DE915F858C}"/>
+                <a16:creationId xmlns:a16="http://schemas.microsoft.com/office/drawing/2014/main" xmlns="" id="{93AE6F5D-5EEE-4ECA-BC05-34DE915F858C}"/>
               </a:ext>
             </a:extLst>
           </p:cNvPr>
@@ -4281,8 +4282,8 @@
         </p:blipFill>
         <p:spPr>
           <a:xfrm>
-            <a:off x="7729809" y="2917594"/>
-            <a:ext cx="4216719" cy="3797666"/>
+            <a:off x="5138671" y="2640532"/>
+            <a:ext cx="4682844" cy="4217468"/>
           </a:xfrm>
           <a:prstGeom prst="rect">
             <a:avLst/>
@@ -4428,7 +4429,7 @@
           <p:cNvPr id="2" name="Titel 1">
             <a:extLst>
               <a:ext uri="{FF2B5EF4-FFF2-40B4-BE49-F238E27FC236}">
-                <a16:creationId xmlns:a16="http://schemas.microsoft.com/office/drawing/2014/main" id="{B8FEBF4A-E504-429A-9363-CF78BC5C184F}"/>
+                <a16:creationId xmlns:a16="http://schemas.microsoft.com/office/drawing/2014/main" xmlns="" id="{B8FEBF4A-E504-429A-9363-CF78BC5C184F}"/>
               </a:ext>
             </a:extLst>
           </p:cNvPr>
@@ -4457,7 +4458,7 @@
           <p:cNvPr id="3" name="Tijdelijke aanduiding voor inhoud 2">
             <a:extLst>
               <a:ext uri="{FF2B5EF4-FFF2-40B4-BE49-F238E27FC236}">
-                <a16:creationId xmlns:a16="http://schemas.microsoft.com/office/drawing/2014/main" id="{EF681013-444B-4FE7-BEBB-69DE5DADA6AC}"/>
+                <a16:creationId xmlns:a16="http://schemas.microsoft.com/office/drawing/2014/main" xmlns="" id="{EF681013-444B-4FE7-BEBB-69DE5DADA6AC}"/>
               </a:ext>
             </a:extLst>
           </p:cNvPr>
@@ -4580,7 +4581,7 @@
           <p:cNvPr id="2" name="Titel 1">
             <a:extLst>
               <a:ext uri="{FF2B5EF4-FFF2-40B4-BE49-F238E27FC236}">
-                <a16:creationId xmlns:a16="http://schemas.microsoft.com/office/drawing/2014/main" id="{A1BB8794-87D5-46D6-8A62-EC30FC501072}"/>
+                <a16:creationId xmlns:a16="http://schemas.microsoft.com/office/drawing/2014/main" xmlns="" id="{A1BB8794-87D5-46D6-8A62-EC30FC501072}"/>
               </a:ext>
             </a:extLst>
           </p:cNvPr>
@@ -4603,6 +4604,10 @@
             <a:r>
               <a:rPr lang="nl-NL" dirty="0" err="1"/>
               <a:t>detour</a:t>
+            </a:r>
+            <a:r>
+              <a:rPr lang="nl-NL" dirty="0"/>
+              <a:t/>
             </a:r>
             <a:br>
               <a:rPr lang="nl-NL" dirty="0"/>
@@ -4616,7 +4621,7 @@
           <p:cNvPr id="13" name="Tijdelijke aanduiding voor tekst 12">
             <a:extLst>
               <a:ext uri="{FF2B5EF4-FFF2-40B4-BE49-F238E27FC236}">
-                <a16:creationId xmlns:a16="http://schemas.microsoft.com/office/drawing/2014/main" id="{050EB52E-3964-4D33-B0F0-6FF283B52959}"/>
+                <a16:creationId xmlns:a16="http://schemas.microsoft.com/office/drawing/2014/main" xmlns="" id="{050EB52E-3964-4D33-B0F0-6FF283B52959}"/>
               </a:ext>
             </a:extLst>
           </p:cNvPr>
@@ -4731,7 +4736,7 @@
           <p:cNvPr id="5" name="Tijdelijke aanduiding voor inhoud 4">
             <a:extLst>
               <a:ext uri="{FF2B5EF4-FFF2-40B4-BE49-F238E27FC236}">
-                <a16:creationId xmlns:a16="http://schemas.microsoft.com/office/drawing/2014/main" id="{25CB3DED-B47B-4BE5-83A6-56DF8559F1BB}"/>
+                <a16:creationId xmlns:a16="http://schemas.microsoft.com/office/drawing/2014/main" xmlns="" id="{25CB3DED-B47B-4BE5-83A6-56DF8559F1BB}"/>
               </a:ext>
             </a:extLst>
           </p:cNvPr>
@@ -4766,7 +4771,7 @@
           <p:cNvPr id="14" name="Tijdelijke aanduiding voor tekst 13">
             <a:extLst>
               <a:ext uri="{FF2B5EF4-FFF2-40B4-BE49-F238E27FC236}">
-                <a16:creationId xmlns:a16="http://schemas.microsoft.com/office/drawing/2014/main" id="{0679FF4B-649D-4338-907E-182FF490F643}"/>
+                <a16:creationId xmlns:a16="http://schemas.microsoft.com/office/drawing/2014/main" xmlns="" id="{0679FF4B-649D-4338-907E-182FF490F643}"/>
               </a:ext>
             </a:extLst>
           </p:cNvPr>
@@ -4791,7 +4796,7 @@
           <p:cNvPr id="15" name="Tijdelijke aanduiding voor inhoud 14">
             <a:extLst>
               <a:ext uri="{FF2B5EF4-FFF2-40B4-BE49-F238E27FC236}">
-                <a16:creationId xmlns:a16="http://schemas.microsoft.com/office/drawing/2014/main" id="{EE382144-F8AB-4273-B3FD-131BD791E39E}"/>
+                <a16:creationId xmlns:a16="http://schemas.microsoft.com/office/drawing/2014/main" xmlns="" id="{EE382144-F8AB-4273-B3FD-131BD791E39E}"/>
               </a:ext>
             </a:extLst>
           </p:cNvPr>
@@ -4816,7 +4821,7 @@
           <p:cNvPr id="9" name="Rechte verbindingslijn met pijl 8">
             <a:extLst>
               <a:ext uri="{FF2B5EF4-FFF2-40B4-BE49-F238E27FC236}">
-                <a16:creationId xmlns:a16="http://schemas.microsoft.com/office/drawing/2014/main" id="{1044903C-90BE-48BF-B4A5-30C0A8054CDE}"/>
+                <a16:creationId xmlns:a16="http://schemas.microsoft.com/office/drawing/2014/main" xmlns="" id="{1044903C-90BE-48BF-B4A5-30C0A8054CDE}"/>
               </a:ext>
             </a:extLst>
           </p:cNvPr>
@@ -4860,7 +4865,7 @@
           <p:cNvPr id="11" name="Rechte verbindingslijn met pijl 10">
             <a:extLst>
               <a:ext uri="{FF2B5EF4-FFF2-40B4-BE49-F238E27FC236}">
-                <a16:creationId xmlns:a16="http://schemas.microsoft.com/office/drawing/2014/main" id="{36209837-E837-48DB-B8BC-8DD9828EC418}"/>
+                <a16:creationId xmlns:a16="http://schemas.microsoft.com/office/drawing/2014/main" xmlns="" id="{36209837-E837-48DB-B8BC-8DD9828EC418}"/>
               </a:ext>
             </a:extLst>
           </p:cNvPr>
@@ -4934,7 +4939,7 @@
           <p:cNvPr id="7" name="Titel 6">
             <a:extLst>
               <a:ext uri="{FF2B5EF4-FFF2-40B4-BE49-F238E27FC236}">
-                <a16:creationId xmlns:a16="http://schemas.microsoft.com/office/drawing/2014/main" id="{B023C60A-46E9-4EE8-9C95-36FE1185A60C}"/>
+                <a16:creationId xmlns:a16="http://schemas.microsoft.com/office/drawing/2014/main" xmlns="" id="{B023C60A-46E9-4EE8-9C95-36FE1185A60C}"/>
               </a:ext>
             </a:extLst>
           </p:cNvPr>
@@ -4966,7 +4971,7 @@
           <p:cNvPr id="8" name="Tijdelijke aanduiding voor inhoud 7">
             <a:extLst>
               <a:ext uri="{FF2B5EF4-FFF2-40B4-BE49-F238E27FC236}">
-                <a16:creationId xmlns:a16="http://schemas.microsoft.com/office/drawing/2014/main" id="{3DD13823-E691-4E1C-BFED-03845170C27D}"/>
+                <a16:creationId xmlns:a16="http://schemas.microsoft.com/office/drawing/2014/main" xmlns="" id="{3DD13823-E691-4E1C-BFED-03845170C27D}"/>
               </a:ext>
             </a:extLst>
           </p:cNvPr>
